--- a/Documentation/חלקות בתהליך.pptx
+++ b/Documentation/חלקות בתהליך.pptx
@@ -204,7 +204,7 @@
           <a:p>
             <a:fld id="{0567D346-E0A4-480D-8576-CDC0E4C76307}" type="datetimeFigureOut">
               <a:rPr lang="he-IL" smtClean="0"/>
-              <a:t>כ'/אב/תשפ"ב</a:t>
+              <a:t>ט"ז/אלול/תשפ"ב</a:t>
             </a:fld>
             <a:endParaRPr lang="he-IL"/>
           </a:p>
@@ -745,7 +745,7 @@
           <a:p>
             <a:fld id="{40DF87CD-148B-4E7A-85EE-645F5406764B}" type="datetimeFigureOut">
               <a:rPr lang="he-IL" smtClean="0"/>
-              <a:t>כ'/אב/תשפ"ב</a:t>
+              <a:t>ט"ז/אלול/תשפ"ב</a:t>
             </a:fld>
             <a:endParaRPr lang="he-IL"/>
           </a:p>
@@ -916,7 +916,7 @@
           <a:p>
             <a:fld id="{40DF87CD-148B-4E7A-85EE-645F5406764B}" type="datetimeFigureOut">
               <a:rPr lang="he-IL" smtClean="0"/>
-              <a:t>כ'/אב/תשפ"ב</a:t>
+              <a:t>ט"ז/אלול/תשפ"ב</a:t>
             </a:fld>
             <a:endParaRPr lang="he-IL"/>
           </a:p>
@@ -1097,7 +1097,7 @@
           <a:p>
             <a:fld id="{40DF87CD-148B-4E7A-85EE-645F5406764B}" type="datetimeFigureOut">
               <a:rPr lang="he-IL" smtClean="0"/>
-              <a:t>כ'/אב/תשפ"ב</a:t>
+              <a:t>ט"ז/אלול/תשפ"ב</a:t>
             </a:fld>
             <a:endParaRPr lang="he-IL"/>
           </a:p>
@@ -1268,7 +1268,7 @@
           <a:p>
             <a:fld id="{40DF87CD-148B-4E7A-85EE-645F5406764B}" type="datetimeFigureOut">
               <a:rPr lang="he-IL" smtClean="0"/>
-              <a:t>כ'/אב/תשפ"ב</a:t>
+              <a:t>ט"ז/אלול/תשפ"ב</a:t>
             </a:fld>
             <a:endParaRPr lang="he-IL"/>
           </a:p>
@@ -1515,7 +1515,7 @@
           <a:p>
             <a:fld id="{40DF87CD-148B-4E7A-85EE-645F5406764B}" type="datetimeFigureOut">
               <a:rPr lang="he-IL" smtClean="0"/>
-              <a:t>כ'/אב/תשפ"ב</a:t>
+              <a:t>ט"ז/אלול/תשפ"ב</a:t>
             </a:fld>
             <a:endParaRPr lang="he-IL"/>
           </a:p>
@@ -1748,7 +1748,7 @@
           <a:p>
             <a:fld id="{40DF87CD-148B-4E7A-85EE-645F5406764B}" type="datetimeFigureOut">
               <a:rPr lang="he-IL" smtClean="0"/>
-              <a:t>כ'/אב/תשפ"ב</a:t>
+              <a:t>ט"ז/אלול/תשפ"ב</a:t>
             </a:fld>
             <a:endParaRPr lang="he-IL"/>
           </a:p>
@@ -2116,7 +2116,7 @@
           <a:p>
             <a:fld id="{40DF87CD-148B-4E7A-85EE-645F5406764B}" type="datetimeFigureOut">
               <a:rPr lang="he-IL" smtClean="0"/>
-              <a:t>כ'/אב/תשפ"ב</a:t>
+              <a:t>ט"ז/אלול/תשפ"ב</a:t>
             </a:fld>
             <a:endParaRPr lang="he-IL"/>
           </a:p>
@@ -2235,7 +2235,7 @@
           <a:p>
             <a:fld id="{40DF87CD-148B-4E7A-85EE-645F5406764B}" type="datetimeFigureOut">
               <a:rPr lang="he-IL" smtClean="0"/>
-              <a:t>כ'/אב/תשפ"ב</a:t>
+              <a:t>ט"ז/אלול/תשפ"ב</a:t>
             </a:fld>
             <a:endParaRPr lang="he-IL"/>
           </a:p>
@@ -2331,7 +2331,7 @@
           <a:p>
             <a:fld id="{40DF87CD-148B-4E7A-85EE-645F5406764B}" type="datetimeFigureOut">
               <a:rPr lang="he-IL" smtClean="0"/>
-              <a:t>כ'/אב/תשפ"ב</a:t>
+              <a:t>ט"ז/אלול/תשפ"ב</a:t>
             </a:fld>
             <a:endParaRPr lang="he-IL"/>
           </a:p>
@@ -2609,7 +2609,7 @@
           <a:p>
             <a:fld id="{40DF87CD-148B-4E7A-85EE-645F5406764B}" type="datetimeFigureOut">
               <a:rPr lang="he-IL" smtClean="0"/>
-              <a:t>כ'/אב/תשפ"ב</a:t>
+              <a:t>ט"ז/אלול/תשפ"ב</a:t>
             </a:fld>
             <a:endParaRPr lang="he-IL"/>
           </a:p>
@@ -2867,7 +2867,7 @@
           <a:p>
             <a:fld id="{40DF87CD-148B-4E7A-85EE-645F5406764B}" type="datetimeFigureOut">
               <a:rPr lang="he-IL" smtClean="0"/>
-              <a:t>כ'/אב/תשפ"ב</a:t>
+              <a:t>ט"ז/אלול/תשפ"ב</a:t>
             </a:fld>
             <a:endParaRPr lang="he-IL"/>
           </a:p>
@@ -3081,7 +3081,7 @@
           <a:p>
             <a:fld id="{40DF87CD-148B-4E7A-85EE-645F5406764B}" type="datetimeFigureOut">
               <a:rPr lang="he-IL" smtClean="0"/>
-              <a:t>כ'/אב/תשפ"ב</a:t>
+              <a:t>ט"ז/אלול/תשפ"ב</a:t>
             </a:fld>
             <a:endParaRPr lang="he-IL"/>
           </a:p>
@@ -8626,7 +8626,7 @@
           <p:nvPr>
             <p:extLst>
               <p:ext uri="{D42A27DB-BD31-4B8C-83A1-F6EECF244321}">
-                <p14:modId xmlns:p14="http://schemas.microsoft.com/office/powerpoint/2010/main" val="3265916598"/>
+                <p14:modId xmlns:p14="http://schemas.microsoft.com/office/powerpoint/2010/main" val="2144212121"/>
               </p:ext>
             </p:extLst>
           </p:nvPr>
@@ -9441,8 +9441,38 @@
                           <a:latin typeface="Segoe UI" panose="020B0502040204020203" pitchFamily="34" charset="0"/>
                           <a:cs typeface="Segoe UI" panose="020B0502040204020203" pitchFamily="34" charset="0"/>
                         </a:rPr>
-                        <a:t>LEGALAREA</a:t>
-                      </a:r>
+                        <a:t>LEGALAREA </a:t>
+                      </a:r>
+                      <a:r>
+                        <a:rPr lang="he-IL" sz="1600" b="0" i="0" u="none" strike="noStrike" baseline="0" dirty="0" smtClean="0">
+                          <a:solidFill>
+                            <a:srgbClr val="000000"/>
+                          </a:solidFill>
+                          <a:effectLst/>
+                          <a:latin typeface="Segoe UI" panose="020B0502040204020203" pitchFamily="34" charset="0"/>
+                          <a:cs typeface="Segoe UI" panose="020B0502040204020203" pitchFamily="34" charset="0"/>
+                        </a:rPr>
+                        <a:t> לאחר הכפלה פי 1,000 (כדי לקבל יחידות </a:t>
+                      </a:r>
+                      <a:r>
+                        <a:rPr lang="he-IL" sz="1600" b="0" i="0" u="none" strike="noStrike" baseline="0" smtClean="0">
+                          <a:solidFill>
+                            <a:srgbClr val="000000"/>
+                          </a:solidFill>
+                          <a:effectLst/>
+                          <a:latin typeface="Segoe UI" panose="020B0502040204020203" pitchFamily="34" charset="0"/>
+                          <a:cs typeface="Segoe UI" panose="020B0502040204020203" pitchFamily="34" charset="0"/>
+                        </a:rPr>
+                        <a:t>מטר מרובע)</a:t>
+                      </a:r>
+                      <a:endParaRPr lang="en-US" sz="1600" b="0" i="0" u="none" strike="noStrike" dirty="0" smtClean="0">
+                        <a:solidFill>
+                          <a:srgbClr val="000000"/>
+                        </a:solidFill>
+                        <a:effectLst/>
+                        <a:latin typeface="Segoe UI" panose="020B0502040204020203" pitchFamily="34" charset="0"/>
+                        <a:cs typeface="Segoe UI" panose="020B0502040204020203" pitchFamily="34" charset="0"/>
+                      </a:endParaRPr>
                     </a:p>
                   </a:txBody>
                   <a:tcPr marL="9525" marR="9525" marT="9525" marB="0" anchor="ctr">
@@ -10232,15 +10262,6 @@
                         </a:rPr>
                         <a:t>1</a:t>
                       </a:r>
-                      <a:endParaRPr lang="en-US" sz="1200" b="0" kern="1200" dirty="0" smtClean="0">
-                        <a:solidFill>
-                          <a:schemeClr val="tx1"/>
-                        </a:solidFill>
-                        <a:effectLst/>
-                        <a:latin typeface="Segoe UI" panose="020B0502040204020203" pitchFamily="34" charset="0"/>
-                        <a:ea typeface="+mn-ea"/>
-                        <a:cs typeface="Segoe UI" panose="020B0502040204020203" pitchFamily="34" charset="0"/>
-                      </a:endParaRPr>
                     </a:p>
                   </a:txBody>
                   <a:tcPr marL="9525" marR="9525" marT="9525" marB="0" anchor="ctr">
@@ -10323,15 +10344,6 @@
                         </a:rPr>
                         <a:t>2</a:t>
                       </a:r>
-                      <a:endParaRPr lang="en-US" sz="1200" b="0" kern="1200" dirty="0" smtClean="0">
-                        <a:solidFill>
-                          <a:schemeClr val="tx1"/>
-                        </a:solidFill>
-                        <a:effectLst/>
-                        <a:latin typeface="Segoe UI" panose="020B0502040204020203" pitchFamily="34" charset="0"/>
-                        <a:ea typeface="+mn-ea"/>
-                        <a:cs typeface="Segoe UI" panose="020B0502040204020203" pitchFamily="34" charset="0"/>
-                      </a:endParaRPr>
                     </a:p>
                   </a:txBody>
                   <a:tcPr marL="9525" marR="9525" marT="9525" marB="0" anchor="ctr">
@@ -10525,15 +10537,6 @@
                         </a:rPr>
                         <a:t>1</a:t>
                       </a:r>
-                      <a:endParaRPr lang="en-US" sz="1200" b="0" kern="1200" dirty="0" smtClean="0">
-                        <a:solidFill>
-                          <a:schemeClr val="tx1"/>
-                        </a:solidFill>
-                        <a:effectLst/>
-                        <a:latin typeface="Segoe UI" panose="020B0502040204020203" pitchFamily="34" charset="0"/>
-                        <a:ea typeface="+mn-ea"/>
-                        <a:cs typeface="Segoe UI" panose="020B0502040204020203" pitchFamily="34" charset="0"/>
-                      </a:endParaRPr>
                     </a:p>
                   </a:txBody>
                   <a:tcPr marL="9525" marR="9525" marT="9525" marB="0" anchor="ctr">
@@ -10616,15 +10619,6 @@
                         </a:rPr>
                         <a:t>4</a:t>
                       </a:r>
-                      <a:endParaRPr lang="en-US" sz="1200" b="0" kern="1200" dirty="0" smtClean="0">
-                        <a:solidFill>
-                          <a:schemeClr val="tx1"/>
-                        </a:solidFill>
-                        <a:effectLst/>
-                        <a:latin typeface="Segoe UI" panose="020B0502040204020203" pitchFamily="34" charset="0"/>
-                        <a:ea typeface="+mn-ea"/>
-                        <a:cs typeface="Segoe UI" panose="020B0502040204020203" pitchFamily="34" charset="0"/>
-                      </a:endParaRPr>
                     </a:p>
                   </a:txBody>
                   <a:tcPr marL="9525" marR="9525" marT="9525" marB="0" anchor="ctr">
@@ -10707,15 +10701,6 @@
                         </a:rPr>
                         <a:t>5</a:t>
                       </a:r>
-                      <a:endParaRPr lang="en-US" sz="1200" b="0" kern="1200" dirty="0" smtClean="0">
-                        <a:solidFill>
-                          <a:schemeClr val="tx1"/>
-                        </a:solidFill>
-                        <a:effectLst/>
-                        <a:latin typeface="Segoe UI" panose="020B0502040204020203" pitchFamily="34" charset="0"/>
-                        <a:ea typeface="+mn-ea"/>
-                        <a:cs typeface="Segoe UI" panose="020B0502040204020203" pitchFamily="34" charset="0"/>
-                      </a:endParaRPr>
                     </a:p>
                   </a:txBody>
                   <a:tcPr marL="9525" marR="9525" marT="9525" marB="0" anchor="ctr">
@@ -10798,15 +10783,6 @@
                         </a:rPr>
                         <a:t>9</a:t>
                       </a:r>
-                      <a:endParaRPr lang="en-US" sz="1200" b="0" kern="1200" dirty="0" smtClean="0">
-                        <a:solidFill>
-                          <a:schemeClr val="tx1"/>
-                        </a:solidFill>
-                        <a:effectLst/>
-                        <a:latin typeface="Segoe UI" panose="020B0502040204020203" pitchFamily="34" charset="0"/>
-                        <a:ea typeface="+mn-ea"/>
-                        <a:cs typeface="Segoe UI" panose="020B0502040204020203" pitchFamily="34" charset="0"/>
-                      </a:endParaRPr>
                     </a:p>
                   </a:txBody>
                   <a:tcPr marL="9525" marR="9525" marT="9525" marB="0" anchor="ctr">
@@ -10889,15 +10865,6 @@
                         </a:rPr>
                         <a:t>11</a:t>
                       </a:r>
-                      <a:endParaRPr lang="en-US" sz="1200" b="0" kern="1200" dirty="0" smtClean="0">
-                        <a:solidFill>
-                          <a:schemeClr val="tx1"/>
-                        </a:solidFill>
-                        <a:effectLst/>
-                        <a:latin typeface="Segoe UI" panose="020B0502040204020203" pitchFamily="34" charset="0"/>
-                        <a:ea typeface="+mn-ea"/>
-                        <a:cs typeface="Segoe UI" panose="020B0502040204020203" pitchFamily="34" charset="0"/>
-                      </a:endParaRPr>
                     </a:p>
                   </a:txBody>
                   <a:tcPr marL="9525" marR="9525" marT="9525" marB="0" anchor="ctr">
@@ -11095,15 +11062,6 @@
                         </a:rPr>
                         <a:t>1</a:t>
                       </a:r>
-                      <a:endParaRPr lang="en-US" sz="1200" b="0" kern="1200" dirty="0" smtClean="0">
-                        <a:solidFill>
-                          <a:schemeClr val="tx1"/>
-                        </a:solidFill>
-                        <a:effectLst/>
-                        <a:latin typeface="Segoe UI" panose="020B0502040204020203" pitchFamily="34" charset="0"/>
-                        <a:ea typeface="+mn-ea"/>
-                        <a:cs typeface="Segoe UI" panose="020B0502040204020203" pitchFamily="34" charset="0"/>
-                      </a:endParaRPr>
                     </a:p>
                   </a:txBody>
                   <a:tcPr marL="9525" marR="9525" marT="9525" marB="0" anchor="ctr">
@@ -11186,15 +11144,6 @@
                         </a:rPr>
                         <a:t>2</a:t>
                       </a:r>
-                      <a:endParaRPr lang="en-US" sz="1200" b="0" kern="1200" dirty="0" smtClean="0">
-                        <a:solidFill>
-                          <a:schemeClr val="tx1"/>
-                        </a:solidFill>
-                        <a:effectLst/>
-                        <a:latin typeface="Segoe UI" panose="020B0502040204020203" pitchFamily="34" charset="0"/>
-                        <a:ea typeface="+mn-ea"/>
-                        <a:cs typeface="Segoe UI" panose="020B0502040204020203" pitchFamily="34" charset="0"/>
-                      </a:endParaRPr>
                     </a:p>
                   </a:txBody>
                   <a:tcPr marL="9525" marR="9525" marT="9525" marB="0" anchor="ctr">
